--- a/presentation and mockup/Kaf-Mueen-Trusted-Handyman-Services.pptx
+++ b/presentation and mockup/Kaf-Mueen-Trusted-Handyman-Services.pptx
@@ -3324,7 +3324,7 @@
 </file>
 
 <file path=ppt/slides/slide4.xml><?xml version="1.0" encoding="utf-8"?>
-<p:sld xmlns:a="http://schemas.openxmlformats.org/drawingml/2006/main" xmlns:r="http://schemas.openxmlformats.org/officeDocument/2006/relationships" xmlns:p="http://schemas.openxmlformats.org/presentationml/2006/main">
+<p:sld xmlns:a="http://schemas.openxmlformats.org/drawingml/2006/main" xmlns:r="http://schemas.openxmlformats.org/officeDocument/2006/relationships" xmlns:p="http://schemas.openxmlformats.org/presentationml/2006/main" show="0">
   <p:cSld name="Slide 3">
     <p:spTree>
       <p:nvGrpSpPr>
@@ -3880,7 +3880,7 @@
 </file>
 
 <file path=ppt/slides/slide5.xml><?xml version="1.0" encoding="utf-8"?>
-<p:sld xmlns:a="http://schemas.openxmlformats.org/drawingml/2006/main" xmlns:r="http://schemas.openxmlformats.org/officeDocument/2006/relationships" xmlns:p="http://schemas.openxmlformats.org/presentationml/2006/main">
+<p:sld xmlns:a="http://schemas.openxmlformats.org/drawingml/2006/main" xmlns:r="http://schemas.openxmlformats.org/officeDocument/2006/relationships" xmlns:p="http://schemas.openxmlformats.org/presentationml/2006/main" show="0">
   <p:cSld name="Slide 7">
     <p:spTree>
       <p:nvGrpSpPr>
@@ -6560,7 +6560,7 @@
 </file>
 
 <file path=ppt/slides/slide7.xml><?xml version="1.0" encoding="utf-8"?>
-<p:sld xmlns:a="http://schemas.openxmlformats.org/drawingml/2006/main" xmlns:r="http://schemas.openxmlformats.org/officeDocument/2006/relationships" xmlns:p="http://schemas.openxmlformats.org/presentationml/2006/main">
+<p:sld xmlns:a="http://schemas.openxmlformats.org/drawingml/2006/main" xmlns:r="http://schemas.openxmlformats.org/officeDocument/2006/relationships" xmlns:p="http://schemas.openxmlformats.org/presentationml/2006/main" show="0">
   <p:cSld name="Slide 6">
     <p:spTree>
       <p:nvGrpSpPr>
